--- a/手术占比雷达图.pptx
+++ b/手术占比雷达图.pptx
@@ -108,11 +108,40 @@
 </p:presentation>
 </file>
 
-<file path=ppt/charts/chart8.xml><?xml version="1.0" encoding="utf-8"?>
+<file path=ppt/charts/chart3.xml><?xml version="1.0" encoding="utf-8"?>
 <c:chartSpace xmlns:c="http://schemas.openxmlformats.org/drawingml/2006/chart" xmlns:a="http://schemas.openxmlformats.org/drawingml/2006/main" xmlns:r="http://schemas.openxmlformats.org/officeDocument/2006/relationships">
   <c:date1904 val="0"/>
   <c:chart>
-    <c:autoTitleDeleted val="1"/>
+    <c:title>
+      <c:tx>
+        <c:rich>
+          <a:bodyPr/>
+          <a:lstStyle/>
+          <a:p>
+            <a:pPr>
+              <a:defRPr sz="1800" b="0" i="0" u="none" strike="noStrike">
+                <a:solidFill>
+                  <a:srgbClr val="000000"/>
+                </a:solidFill>
+                <a:latin typeface="Arial"/>
+              </a:defRPr>
+            </a:pPr>
+            <a:r>
+              <a:rPr sz="1800" b="0" i="0" u="none" strike="noStrike">
+                <a:solidFill>
+                  <a:srgbClr val="000000"/>
+                </a:solidFill>
+                <a:latin typeface="Arial"/>
+              </a:rPr>
+              <a:t>手术占比雷达图</a:t>
+            </a:r>
+          </a:p>
+        </c:rich>
+      </c:tx>
+      <c:layout/>
+      <c:overlay val="0"/>
+    </c:title>
+    <c:autoTitleDeleted val="0"/>
     <c:plotArea>
       <c:layout/>
       <c:radarChart>
@@ -158,9 +187,9 @@
           </c:marker>
           <c:cat>
             <c:strRef>
-              <c:f>Sheet1!$A$2:$A$26</c:f>
+              <c:f>Sheet1!$A$2:$A$32</c:f>
               <c:strCache>
-                <c:ptCount val="25"/>
+                <c:ptCount val="31"/>
                 <c:pt idx="0">
                   <c:v>心血管内科</c:v>
                 </c:pt>
@@ -192,59 +221,77 @@
                   <c:v>胃肠外科</c:v>
                 </c:pt>
                 <c:pt idx="10">
+                  <c:v>肝胆外科</c:v>
+                </c:pt>
+                <c:pt idx="11">
                   <c:v>乳腺外科</c:v>
                 </c:pt>
-                <c:pt idx="11">
+                <c:pt idx="12">
                   <c:v>骨科</c:v>
                 </c:pt>
-                <c:pt idx="12">
+                <c:pt idx="13">
                   <c:v>泌尿外科</c:v>
                 </c:pt>
-                <c:pt idx="13">
+                <c:pt idx="14">
                   <c:v>神经外科</c:v>
                 </c:pt>
-                <c:pt idx="14">
+                <c:pt idx="15">
                   <c:v>妇科</c:v>
                 </c:pt>
-                <c:pt idx="15">
+                <c:pt idx="16">
                   <c:v>产科</c:v>
                 </c:pt>
-                <c:pt idx="16">
+                <c:pt idx="17">
                   <c:v>儿科</c:v>
                 </c:pt>
-                <c:pt idx="17">
+                <c:pt idx="18">
                   <c:v>儿外科</c:v>
                 </c:pt>
-                <c:pt idx="18">
+                <c:pt idx="19">
                   <c:v>新生儿科</c:v>
                 </c:pt>
-                <c:pt idx="19">
+                <c:pt idx="20">
                   <c:v>眼科</c:v>
                 </c:pt>
-                <c:pt idx="20">
+                <c:pt idx="21">
                   <c:v>口腔科</c:v>
                 </c:pt>
-                <c:pt idx="21">
+                <c:pt idx="22">
                   <c:v>急诊科</c:v>
                 </c:pt>
-                <c:pt idx="22">
+                <c:pt idx="23">
                   <c:v>重症医学科</c:v>
                 </c:pt>
-                <c:pt idx="23">
+                <c:pt idx="24">
                   <c:v>肿瘤内科</c:v>
                 </c:pt>
-                <c:pt idx="24">
+                <c:pt idx="25">
                   <c:v>老年内科</c:v>
+                </c:pt>
+                <c:pt idx="26">
+                  <c:v>心脏外科</c:v>
+                </c:pt>
+                <c:pt idx="27">
+                  <c:v>胸外科</c:v>
+                </c:pt>
+                <c:pt idx="28">
+                  <c:v>烧伤整形外科</c:v>
+                </c:pt>
+                <c:pt idx="29">
+                  <c:v>疼痛科</c:v>
+                </c:pt>
+                <c:pt idx="30">
+                  <c:v>耳鼻喉科</c:v>
                 </c:pt>
               </c:strCache>
             </c:strRef>
           </c:cat>
           <c:val>
             <c:numRef>
-              <c:f>Sheet1!$B$2:$B$26</c:f>
+              <c:f>Sheet1!$B$2:$B$32</c:f>
               <c:numCache>
                 <c:formatCode>General</c:formatCode>
-                <c:ptCount val="25"/>
+                <c:ptCount val="31"/>
                 <c:pt idx="0">
                   <c:v>0.0969</c:v>
                 </c:pt>
@@ -276,49 +323,67 @@
                   <c:v>0.5116</c:v>
                 </c:pt>
                 <c:pt idx="10">
+                  <c:v>0.4248</c:v>
+                </c:pt>
+                <c:pt idx="11">
                   <c:v>0.5038</c:v>
                 </c:pt>
-                <c:pt idx="11">
+                <c:pt idx="12">
                   <c:v>0.4223</c:v>
                 </c:pt>
-                <c:pt idx="12">
+                <c:pt idx="13">
                   <c:v>0.549267643142477</c:v>
                 </c:pt>
-                <c:pt idx="13">
+                <c:pt idx="14">
                   <c:v>0.380082417582418</c:v>
                 </c:pt>
-                <c:pt idx="14">
+                <c:pt idx="15">
                   <c:v>0.72836702248467</c:v>
                 </c:pt>
-                <c:pt idx="15">
+                <c:pt idx="16">
                   <c:v>0.0464452516865594</c:v>
                 </c:pt>
-                <c:pt idx="16">
+                <c:pt idx="17">
                   <c:v>0</c:v>
                 </c:pt>
-                <c:pt idx="17">
+                <c:pt idx="18">
                   <c:v>0.481037924151697</c:v>
                 </c:pt>
-                <c:pt idx="18">
+                <c:pt idx="19">
                   <c:v>0</c:v>
                 </c:pt>
-                <c:pt idx="19">
+                <c:pt idx="20">
                   <c:v>0.5503314001657</c:v>
                 </c:pt>
-                <c:pt idx="20">
+                <c:pt idx="21">
                   <c:v>0.360714285714286</c:v>
                 </c:pt>
-                <c:pt idx="21">
+                <c:pt idx="22">
                   <c:v>0.0903908794788274</c:v>
                 </c:pt>
-                <c:pt idx="22">
+                <c:pt idx="23">
                   <c:v>0.393333333333333</c:v>
                 </c:pt>
-                <c:pt idx="23">
+                <c:pt idx="24">
                   <c:v>0.0617283950617284</c:v>
                 </c:pt>
-                <c:pt idx="24">
+                <c:pt idx="25">
                   <c:v>0.125</c:v>
+                </c:pt>
+                <c:pt idx="26">
+                  <c:v>0.281305114638448</c:v>
+                </c:pt>
+                <c:pt idx="27">
+                  <c:v>0.156534954407295</c:v>
+                </c:pt>
+                <c:pt idx="28">
+                  <c:v>0.092896174863388</c:v>
+                </c:pt>
+                <c:pt idx="29">
+                  <c:v>0.670697674418605</c:v>
+                </c:pt>
+                <c:pt idx="30">
+                  <c:v>0.413327526132404</c:v>
                 </c:pt>
               </c:numCache>
             </c:numRef>
@@ -472,7 +537,7 @@
 </c:chartSpace>
 </file>
 
-<file path=ppt/charts/chart9.xml><?xml version="1.0" encoding="utf-8"?>
+<file path=ppt/charts/chart4.xml><?xml version="1.0" encoding="utf-8"?>
 <c:chartSpace xmlns:c="http://schemas.openxmlformats.org/drawingml/2006/chart" xmlns:a="http://schemas.openxmlformats.org/drawingml/2006/main" xmlns:r="http://schemas.openxmlformats.org/officeDocument/2006/relationships">
   <c:date1904 val="0"/>
   <c:chart>
@@ -560,9 +625,9 @@
           </c:dLbls>
           <c:cat>
             <c:strRef>
-              <c:f>Sheet1!$A$2:$A$26</c:f>
+              <c:f>Sheet1!$A$2:$A$32</c:f>
               <c:strCache>
-                <c:ptCount val="25"/>
+                <c:ptCount val="31"/>
                 <c:pt idx="0">
                   <c:v>心血管内科</c:v>
                 </c:pt>
@@ -594,59 +659,77 @@
                   <c:v>胃肠外科</c:v>
                 </c:pt>
                 <c:pt idx="10">
+                  <c:v>肝胆外科</c:v>
+                </c:pt>
+                <c:pt idx="11">
                   <c:v>乳腺外科</c:v>
                 </c:pt>
-                <c:pt idx="11">
+                <c:pt idx="12">
                   <c:v>骨科</c:v>
                 </c:pt>
-                <c:pt idx="12">
+                <c:pt idx="13">
                   <c:v>泌尿外科</c:v>
                 </c:pt>
-                <c:pt idx="13">
+                <c:pt idx="14">
                   <c:v>神经外科</c:v>
                 </c:pt>
-                <c:pt idx="14">
+                <c:pt idx="15">
                   <c:v>妇科</c:v>
                 </c:pt>
-                <c:pt idx="15">
+                <c:pt idx="16">
                   <c:v>产科</c:v>
                 </c:pt>
-                <c:pt idx="16">
+                <c:pt idx="17">
                   <c:v>儿科</c:v>
                 </c:pt>
-                <c:pt idx="17">
+                <c:pt idx="18">
                   <c:v>儿外科</c:v>
                 </c:pt>
-                <c:pt idx="18">
+                <c:pt idx="19">
                   <c:v>新生儿科</c:v>
                 </c:pt>
-                <c:pt idx="19">
+                <c:pt idx="20">
                   <c:v>眼科</c:v>
                 </c:pt>
-                <c:pt idx="20">
+                <c:pt idx="21">
                   <c:v>口腔科</c:v>
                 </c:pt>
-                <c:pt idx="21">
+                <c:pt idx="22">
                   <c:v>急诊科</c:v>
                 </c:pt>
-                <c:pt idx="22">
+                <c:pt idx="23">
                   <c:v>重症医学科</c:v>
                 </c:pt>
-                <c:pt idx="23">
+                <c:pt idx="24">
                   <c:v>肿瘤内科</c:v>
                 </c:pt>
-                <c:pt idx="24">
+                <c:pt idx="25">
                   <c:v>老年内科</c:v>
+                </c:pt>
+                <c:pt idx="26">
+                  <c:v>心脏外科</c:v>
+                </c:pt>
+                <c:pt idx="27">
+                  <c:v>胸外科</c:v>
+                </c:pt>
+                <c:pt idx="28">
+                  <c:v>烧伤整形外科</c:v>
+                </c:pt>
+                <c:pt idx="29">
+                  <c:v>疼痛科</c:v>
+                </c:pt>
+                <c:pt idx="30">
+                  <c:v>耳鼻喉科</c:v>
                 </c:pt>
               </c:strCache>
             </c:strRef>
           </c:cat>
           <c:val>
             <c:numRef>
-              <c:f>Sheet1!$B$2:$B$26</c:f>
+              <c:f>Sheet1!$B$2:$B$32</c:f>
               <c:numCache>
                 <c:formatCode>General</c:formatCode>
-                <c:ptCount val="25"/>
+                <c:ptCount val="31"/>
                 <c:pt idx="0">
                   <c:v>0.0969</c:v>
                 </c:pt>
@@ -678,49 +761,67 @@
                   <c:v>0.5116</c:v>
                 </c:pt>
                 <c:pt idx="10">
+                  <c:v>0.4248</c:v>
+                </c:pt>
+                <c:pt idx="11">
                   <c:v>0.5038</c:v>
                 </c:pt>
-                <c:pt idx="11">
+                <c:pt idx="12">
                   <c:v>0.4223</c:v>
                 </c:pt>
-                <c:pt idx="12">
+                <c:pt idx="13">
                   <c:v>0.549267643142477</c:v>
                 </c:pt>
-                <c:pt idx="13">
+                <c:pt idx="14">
                   <c:v>0.380082417582418</c:v>
                 </c:pt>
-                <c:pt idx="14">
+                <c:pt idx="15">
                   <c:v>0.72836702248467</c:v>
                 </c:pt>
-                <c:pt idx="15">
+                <c:pt idx="16">
                   <c:v>0.0464452516865594</c:v>
                 </c:pt>
-                <c:pt idx="16">
+                <c:pt idx="17">
                   <c:v>0</c:v>
                 </c:pt>
-                <c:pt idx="17">
+                <c:pt idx="18">
                   <c:v>0.481037924151697</c:v>
                 </c:pt>
-                <c:pt idx="18">
+                <c:pt idx="19">
                   <c:v>0</c:v>
                 </c:pt>
-                <c:pt idx="19">
+                <c:pt idx="20">
                   <c:v>0.5503314001657</c:v>
                 </c:pt>
-                <c:pt idx="20">
+                <c:pt idx="21">
                   <c:v>0.360714285714286</c:v>
                 </c:pt>
-                <c:pt idx="21">
+                <c:pt idx="22">
                   <c:v>0.0903908794788274</c:v>
                 </c:pt>
-                <c:pt idx="22">
+                <c:pt idx="23">
                   <c:v>0.393333333333333</c:v>
                 </c:pt>
-                <c:pt idx="23">
+                <c:pt idx="24">
                   <c:v>0.0617283950617284</c:v>
                 </c:pt>
-                <c:pt idx="24">
+                <c:pt idx="25">
                   <c:v>0.125</c:v>
+                </c:pt>
+                <c:pt idx="26">
+                  <c:v>0.281305114638448</c:v>
+                </c:pt>
+                <c:pt idx="27">
+                  <c:v>0.156534954407295</c:v>
+                </c:pt>
+                <c:pt idx="28">
+                  <c:v>0.092896174863388</c:v>
+                </c:pt>
+                <c:pt idx="29">
+                  <c:v>0.670697674418605</c:v>
+                </c:pt>
+                <c:pt idx="30">
+                  <c:v>0.413327526132404</c:v>
                 </c:pt>
               </c:numCache>
             </c:numRef>
